--- a/JDK 介绍.pptx
+++ b/JDK 介绍.pptx
@@ -319,7 +319,7 @@
             <a:fld id="{0C97CFCF-69C1-4702-9C0E-23B2D14B0AEB}" type="datetimeFigureOut">
               <a:rPr lang="zh-CN" altLang="en-US" smtClean="0"/>
               <a:pPr/>
-              <a:t>2016/10/12</a:t>
+              <a:t>2016/10/18</a:t>
             </a:fld>
             <a:endParaRPr lang="zh-CN" altLang="en-US"/>
           </a:p>
@@ -371,7 +371,7 @@
     </p:spTree>
     <p:extLst>
       <p:ext uri="{BB962C8B-B14F-4D97-AF65-F5344CB8AC3E}">
-        <p14:creationId xmlns="" xmlns:p14="http://schemas.microsoft.com/office/powerpoint/2010/main" val="13699731"/>
+        <p14:creationId xmlns:p14="http://schemas.microsoft.com/office/powerpoint/2010/main" val="13699731"/>
       </p:ext>
     </p:extLst>
   </p:cSld>
@@ -491,7 +491,7 @@
             <a:fld id="{0C97CFCF-69C1-4702-9C0E-23B2D14B0AEB}" type="datetimeFigureOut">
               <a:rPr lang="zh-CN" altLang="en-US" smtClean="0"/>
               <a:pPr/>
-              <a:t>2016/10/12</a:t>
+              <a:t>2016/10/18</a:t>
             </a:fld>
             <a:endParaRPr lang="zh-CN" altLang="en-US"/>
           </a:p>
@@ -543,7 +543,7 @@
     </p:spTree>
     <p:extLst>
       <p:ext uri="{BB962C8B-B14F-4D97-AF65-F5344CB8AC3E}">
-        <p14:creationId xmlns="" xmlns:p14="http://schemas.microsoft.com/office/powerpoint/2010/main" val="1015033066"/>
+        <p14:creationId xmlns:p14="http://schemas.microsoft.com/office/powerpoint/2010/main" val="1015033066"/>
       </p:ext>
     </p:extLst>
   </p:cSld>
@@ -673,7 +673,7 @@
             <a:fld id="{0C97CFCF-69C1-4702-9C0E-23B2D14B0AEB}" type="datetimeFigureOut">
               <a:rPr lang="zh-CN" altLang="en-US" smtClean="0"/>
               <a:pPr/>
-              <a:t>2016/10/12</a:t>
+              <a:t>2016/10/18</a:t>
             </a:fld>
             <a:endParaRPr lang="zh-CN" altLang="en-US"/>
           </a:p>
@@ -725,7 +725,7 @@
     </p:spTree>
     <p:extLst>
       <p:ext uri="{BB962C8B-B14F-4D97-AF65-F5344CB8AC3E}">
-        <p14:creationId xmlns="" xmlns:p14="http://schemas.microsoft.com/office/powerpoint/2010/main" val="115210665"/>
+        <p14:creationId xmlns:p14="http://schemas.microsoft.com/office/powerpoint/2010/main" val="115210665"/>
       </p:ext>
     </p:extLst>
   </p:cSld>
@@ -845,7 +845,7 @@
             <a:fld id="{0C97CFCF-69C1-4702-9C0E-23B2D14B0AEB}" type="datetimeFigureOut">
               <a:rPr lang="zh-CN" altLang="en-US" smtClean="0"/>
               <a:pPr/>
-              <a:t>2016/10/12</a:t>
+              <a:t>2016/10/18</a:t>
             </a:fld>
             <a:endParaRPr lang="zh-CN" altLang="en-US"/>
           </a:p>
@@ -897,7 +897,7 @@
     </p:spTree>
     <p:extLst>
       <p:ext uri="{BB962C8B-B14F-4D97-AF65-F5344CB8AC3E}">
-        <p14:creationId xmlns="" xmlns:p14="http://schemas.microsoft.com/office/powerpoint/2010/main" val="4196075048"/>
+        <p14:creationId xmlns:p14="http://schemas.microsoft.com/office/powerpoint/2010/main" val="4196075048"/>
       </p:ext>
     </p:extLst>
   </p:cSld>
@@ -1093,7 +1093,7 @@
             <a:fld id="{0C97CFCF-69C1-4702-9C0E-23B2D14B0AEB}" type="datetimeFigureOut">
               <a:rPr lang="zh-CN" altLang="en-US" smtClean="0"/>
               <a:pPr/>
-              <a:t>2016/10/12</a:t>
+              <a:t>2016/10/18</a:t>
             </a:fld>
             <a:endParaRPr lang="zh-CN" altLang="en-US"/>
           </a:p>
@@ -1145,7 +1145,7 @@
     </p:spTree>
     <p:extLst>
       <p:ext uri="{BB962C8B-B14F-4D97-AF65-F5344CB8AC3E}">
-        <p14:creationId xmlns="" xmlns:p14="http://schemas.microsoft.com/office/powerpoint/2010/main" val="368992200"/>
+        <p14:creationId xmlns:p14="http://schemas.microsoft.com/office/powerpoint/2010/main" val="368992200"/>
       </p:ext>
     </p:extLst>
   </p:cSld>
@@ -1383,7 +1383,7 @@
             <a:fld id="{0C97CFCF-69C1-4702-9C0E-23B2D14B0AEB}" type="datetimeFigureOut">
               <a:rPr lang="zh-CN" altLang="en-US" smtClean="0"/>
               <a:pPr/>
-              <a:t>2016/10/12</a:t>
+              <a:t>2016/10/18</a:t>
             </a:fld>
             <a:endParaRPr lang="zh-CN" altLang="en-US"/>
           </a:p>
@@ -1435,7 +1435,7 @@
     </p:spTree>
     <p:extLst>
       <p:ext uri="{BB962C8B-B14F-4D97-AF65-F5344CB8AC3E}">
-        <p14:creationId xmlns="" xmlns:p14="http://schemas.microsoft.com/office/powerpoint/2010/main" val="3197025404"/>
+        <p14:creationId xmlns:p14="http://schemas.microsoft.com/office/powerpoint/2010/main" val="3197025404"/>
       </p:ext>
     </p:extLst>
   </p:cSld>
@@ -1807,7 +1807,7 @@
             <a:fld id="{0C97CFCF-69C1-4702-9C0E-23B2D14B0AEB}" type="datetimeFigureOut">
               <a:rPr lang="zh-CN" altLang="en-US" smtClean="0"/>
               <a:pPr/>
-              <a:t>2016/10/12</a:t>
+              <a:t>2016/10/18</a:t>
             </a:fld>
             <a:endParaRPr lang="zh-CN" altLang="en-US"/>
           </a:p>
@@ -1859,7 +1859,7 @@
     </p:spTree>
     <p:extLst>
       <p:ext uri="{BB962C8B-B14F-4D97-AF65-F5344CB8AC3E}">
-        <p14:creationId xmlns="" xmlns:p14="http://schemas.microsoft.com/office/powerpoint/2010/main" val="3239712611"/>
+        <p14:creationId xmlns:p14="http://schemas.microsoft.com/office/powerpoint/2010/main" val="3239712611"/>
       </p:ext>
     </p:extLst>
   </p:cSld>
@@ -1927,7 +1927,7 @@
             <a:fld id="{0C97CFCF-69C1-4702-9C0E-23B2D14B0AEB}" type="datetimeFigureOut">
               <a:rPr lang="zh-CN" altLang="en-US" smtClean="0"/>
               <a:pPr/>
-              <a:t>2016/10/12</a:t>
+              <a:t>2016/10/18</a:t>
             </a:fld>
             <a:endParaRPr lang="zh-CN" altLang="en-US"/>
           </a:p>
@@ -1979,7 +1979,7 @@
     </p:spTree>
     <p:extLst>
       <p:ext uri="{BB962C8B-B14F-4D97-AF65-F5344CB8AC3E}">
-        <p14:creationId xmlns="" xmlns:p14="http://schemas.microsoft.com/office/powerpoint/2010/main" val="2149647043"/>
+        <p14:creationId xmlns:p14="http://schemas.microsoft.com/office/powerpoint/2010/main" val="2149647043"/>
       </p:ext>
     </p:extLst>
   </p:cSld>
@@ -2024,7 +2024,7 @@
             <a:fld id="{0C97CFCF-69C1-4702-9C0E-23B2D14B0AEB}" type="datetimeFigureOut">
               <a:rPr lang="zh-CN" altLang="en-US" smtClean="0"/>
               <a:pPr/>
-              <a:t>2016/10/12</a:t>
+              <a:t>2016/10/18</a:t>
             </a:fld>
             <a:endParaRPr lang="zh-CN" altLang="en-US"/>
           </a:p>
@@ -2076,7 +2076,7 @@
     </p:spTree>
     <p:extLst>
       <p:ext uri="{BB962C8B-B14F-4D97-AF65-F5344CB8AC3E}">
-        <p14:creationId xmlns="" xmlns:p14="http://schemas.microsoft.com/office/powerpoint/2010/main" val="3776360201"/>
+        <p14:creationId xmlns:p14="http://schemas.microsoft.com/office/powerpoint/2010/main" val="3776360201"/>
       </p:ext>
     </p:extLst>
   </p:cSld>
@@ -2303,7 +2303,7 @@
             <a:fld id="{0C97CFCF-69C1-4702-9C0E-23B2D14B0AEB}" type="datetimeFigureOut">
               <a:rPr lang="zh-CN" altLang="en-US" smtClean="0"/>
               <a:pPr/>
-              <a:t>2016/10/12</a:t>
+              <a:t>2016/10/18</a:t>
             </a:fld>
             <a:endParaRPr lang="zh-CN" altLang="en-US"/>
           </a:p>
@@ -2355,7 +2355,7 @@
     </p:spTree>
     <p:extLst>
       <p:ext uri="{BB962C8B-B14F-4D97-AF65-F5344CB8AC3E}">
-        <p14:creationId xmlns="" xmlns:p14="http://schemas.microsoft.com/office/powerpoint/2010/main" val="1121252905"/>
+        <p14:creationId xmlns:p14="http://schemas.microsoft.com/office/powerpoint/2010/main" val="1121252905"/>
       </p:ext>
     </p:extLst>
   </p:cSld>
@@ -2558,7 +2558,7 @@
             <a:fld id="{0C97CFCF-69C1-4702-9C0E-23B2D14B0AEB}" type="datetimeFigureOut">
               <a:rPr lang="zh-CN" altLang="en-US" smtClean="0"/>
               <a:pPr/>
-              <a:t>2016/10/12</a:t>
+              <a:t>2016/10/18</a:t>
             </a:fld>
             <a:endParaRPr lang="zh-CN" altLang="en-US"/>
           </a:p>
@@ -2610,7 +2610,7 @@
     </p:spTree>
     <p:extLst>
       <p:ext uri="{BB962C8B-B14F-4D97-AF65-F5344CB8AC3E}">
-        <p14:creationId xmlns="" xmlns:p14="http://schemas.microsoft.com/office/powerpoint/2010/main" val="4175956980"/>
+        <p14:creationId xmlns:p14="http://schemas.microsoft.com/office/powerpoint/2010/main" val="4175956980"/>
       </p:ext>
     </p:extLst>
   </p:cSld>
@@ -2773,7 +2773,7 @@
             <a:fld id="{0C97CFCF-69C1-4702-9C0E-23B2D14B0AEB}" type="datetimeFigureOut">
               <a:rPr lang="zh-CN" altLang="en-US" smtClean="0"/>
               <a:pPr/>
-              <a:t>2016/10/12</a:t>
+              <a:t>2016/10/18</a:t>
             </a:fld>
             <a:endParaRPr lang="zh-CN" altLang="en-US"/>
           </a:p>
@@ -2861,7 +2861,7 @@
     </p:spTree>
     <p:extLst>
       <p:ext uri="{BB962C8B-B14F-4D97-AF65-F5344CB8AC3E}">
-        <p14:creationId xmlns="" xmlns:p14="http://schemas.microsoft.com/office/powerpoint/2010/main" val="1250916519"/>
+        <p14:creationId xmlns:p14="http://schemas.microsoft.com/office/powerpoint/2010/main" val="1250916519"/>
       </p:ext>
     </p:extLst>
   </p:cSld>
@@ -3231,7 +3231,7 @@
     </p:spTree>
     <p:extLst>
       <p:ext uri="{BB962C8B-B14F-4D97-AF65-F5344CB8AC3E}">
-        <p14:creationId xmlns="" xmlns:p14="http://schemas.microsoft.com/office/powerpoint/2010/main" val="1885566897"/>
+        <p14:creationId xmlns:p14="http://schemas.microsoft.com/office/powerpoint/2010/main" val="1885566897"/>
       </p:ext>
     </p:extLst>
   </p:cSld>
@@ -3305,7 +3305,7 @@
         <p:spPr/>
         <p:txBody>
           <a:bodyPr>
-            <a:normAutofit fontScale="70000" lnSpcReduction="20000"/>
+            <a:normAutofit fontScale="62500" lnSpcReduction="20000"/>
           </a:bodyPr>
           <a:lstStyle/>
           <a:p>
@@ -3475,16 +3475,70 @@
             </a:r>
             <a:r>
               <a:rPr lang="zh-CN" altLang="en-US" dirty="0" smtClean="0"/>
-              <a:t>了更多的语法糖，目的：</a:t>
-            </a:r>
-            <a:r>
-              <a:rPr lang="en-US" altLang="zh-CN" dirty="0" smtClean="0"/>
-              <a:t>easy to </a:t>
-            </a:r>
-            <a:r>
-              <a:rPr lang="en-US" altLang="zh-CN" dirty="0" smtClean="0"/>
-              <a:t>use.</a:t>
-            </a:r>
+              <a:t>了更多的语法</a:t>
+            </a:r>
+            <a:r>
+              <a:rPr lang="zh-CN" altLang="en-US" dirty="0" smtClean="0"/>
+              <a:t>糖</a:t>
+            </a:r>
+            <a:endParaRPr lang="en-US" altLang="zh-CN" dirty="0" smtClean="0"/>
+          </a:p>
+          <a:p>
+            <a:r>
+              <a:rPr lang="zh-CN" altLang="en-US" dirty="0"/>
+              <a:t>目标</a:t>
+            </a:r>
+            <a:r>
+              <a:rPr lang="zh-CN" altLang="en-US" dirty="0" smtClean="0"/>
+              <a:t>：</a:t>
+            </a:r>
+            <a:r>
+              <a:rPr lang="en-US" altLang="zh-CN" dirty="0" smtClean="0"/>
+              <a:t>Easy </a:t>
+            </a:r>
+            <a:r>
+              <a:rPr lang="en-US" altLang="zh-CN" dirty="0"/>
+              <a:t>to use, make the compiler do the work</a:t>
+            </a:r>
+            <a:r>
+              <a:rPr lang="en-US" altLang="zh-CN" dirty="0" smtClean="0"/>
+              <a:t>!(</a:t>
+            </a:r>
+            <a:r>
+              <a:rPr lang="zh-CN" altLang="en-US" dirty="0" smtClean="0"/>
+              <a:t>来源于</a:t>
+            </a:r>
+            <a:r>
+              <a:rPr lang="en-US" altLang="zh-CN" dirty="0" smtClean="0"/>
+              <a:t>Oracle </a:t>
+            </a:r>
+            <a:r>
+              <a:rPr lang="zh-CN" altLang="en-US" dirty="0" smtClean="0"/>
+              <a:t>发布经理介绍 </a:t>
+            </a:r>
+            <a:r>
+              <a:rPr lang="en-US" altLang="zh-CN" dirty="0" err="1" smtClean="0"/>
+              <a:t>OpenJDK</a:t>
+            </a:r>
+            <a:r>
+              <a:rPr lang="en-US" altLang="zh-CN" dirty="0" smtClean="0"/>
+              <a:t> </a:t>
+            </a:r>
+            <a:r>
+              <a:rPr lang="zh-CN" altLang="en-US" dirty="0" smtClean="0"/>
+              <a:t>的</a:t>
+            </a:r>
+            <a:r>
+              <a:rPr lang="zh-CN" altLang="en-US" dirty="0" smtClean="0">
+                <a:hlinkClick r:id="rId2"/>
+              </a:rPr>
+              <a:t>演讲稿</a:t>
+            </a:r>
+            <a:r>
+              <a:rPr lang="en-US" altLang="zh-CN" dirty="0" smtClean="0"/>
+              <a:t>)</a:t>
+            </a:r>
+            <a:endParaRPr lang="en-US" altLang="zh-CN" dirty="0" smtClean="0"/>
           </a:p>
           <a:p>
             <a:r>
@@ -3521,7 +3575,7 @@
     </p:spTree>
     <p:extLst>
       <p:ext uri="{BB962C8B-B14F-4D97-AF65-F5344CB8AC3E}">
-        <p14:creationId xmlns="" xmlns:p14="http://schemas.microsoft.com/office/powerpoint/2010/main" val="1964258424"/>
+        <p14:creationId xmlns:p14="http://schemas.microsoft.com/office/powerpoint/2010/main" val="1964258424"/>
       </p:ext>
     </p:extLst>
   </p:cSld>
@@ -3667,7 +3721,7 @@
     </p:spTree>
     <p:extLst>
       <p:ext uri="{BB962C8B-B14F-4D97-AF65-F5344CB8AC3E}">
-        <p14:creationId xmlns="" xmlns:p14="http://schemas.microsoft.com/office/powerpoint/2010/main" val="2238686284"/>
+        <p14:creationId xmlns:p14="http://schemas.microsoft.com/office/powerpoint/2010/main" val="2238686284"/>
       </p:ext>
     </p:extLst>
   </p:cSld>
@@ -3785,7 +3839,7 @@
     </p:spTree>
     <p:extLst>
       <p:ext uri="{BB962C8B-B14F-4D97-AF65-F5344CB8AC3E}">
-        <p14:creationId xmlns="" xmlns:p14="http://schemas.microsoft.com/office/powerpoint/2010/main" val="3984563841"/>
+        <p14:creationId xmlns:p14="http://schemas.microsoft.com/office/powerpoint/2010/main" val="3984563841"/>
       </p:ext>
     </p:extLst>
   </p:cSld>
@@ -3993,13 +4047,7 @@
               <a:rPr lang="en-US" altLang="zh-CN" dirty="0" smtClean="0">
                 <a:hlinkClick r:id="rId3"/>
               </a:rPr>
-              <a:t>http://</a:t>
-            </a:r>
-            <a:r>
-              <a:rPr lang="en-US" altLang="zh-CN" dirty="0" smtClean="0">
-                <a:hlinkClick r:id="rId3"/>
-              </a:rPr>
-              <a:t>openjdk.java.net/projects/jdk8/features</a:t>
+              <a:t>http://openjdk.java.net/projects/jdk8/features</a:t>
             </a:r>
             <a:endParaRPr lang="en-US" altLang="zh-CN" dirty="0" smtClean="0"/>
           </a:p>
@@ -4026,7 +4074,7 @@
     </p:spTree>
     <p:extLst>
       <p:ext uri="{BB962C8B-B14F-4D97-AF65-F5344CB8AC3E}">
-        <p14:creationId xmlns="" xmlns:p14="http://schemas.microsoft.com/office/powerpoint/2010/main" val="2158635107"/>
+        <p14:creationId xmlns:p14="http://schemas.microsoft.com/office/powerpoint/2010/main" val="2158635107"/>
       </p:ext>
     </p:extLst>
   </p:cSld>
@@ -4172,7 +4220,7 @@
     </p:spTree>
     <p:extLst>
       <p:ext uri="{BB962C8B-B14F-4D97-AF65-F5344CB8AC3E}">
-        <p14:creationId xmlns="" xmlns:p14="http://schemas.microsoft.com/office/powerpoint/2010/main" val="1307637553"/>
+        <p14:creationId xmlns:p14="http://schemas.microsoft.com/office/powerpoint/2010/main" val="1307637553"/>
       </p:ext>
     </p:extLst>
   </p:cSld>
@@ -4374,7 +4422,7 @@
     </p:spTree>
     <p:extLst>
       <p:ext uri="{BB962C8B-B14F-4D97-AF65-F5344CB8AC3E}">
-        <p14:creationId xmlns="" xmlns:p14="http://schemas.microsoft.com/office/powerpoint/2010/main" val="7237598"/>
+        <p14:creationId xmlns:p14="http://schemas.microsoft.com/office/powerpoint/2010/main" val="7237598"/>
       </p:ext>
     </p:extLst>
   </p:cSld>
@@ -4555,7 +4603,7 @@
     </p:spTree>
     <p:extLst>
       <p:ext uri="{BB962C8B-B14F-4D97-AF65-F5344CB8AC3E}">
-        <p14:creationId xmlns="" xmlns:p14="http://schemas.microsoft.com/office/powerpoint/2010/main" val="3401541166"/>
+        <p14:creationId xmlns:p14="http://schemas.microsoft.com/office/powerpoint/2010/main" val="3401541166"/>
       </p:ext>
     </p:extLst>
   </p:cSld>
@@ -4724,7 +4772,7 @@
     </p:spTree>
     <p:extLst>
       <p:ext uri="{BB962C8B-B14F-4D97-AF65-F5344CB8AC3E}">
-        <p14:creationId xmlns="" xmlns:p14="http://schemas.microsoft.com/office/powerpoint/2010/main" val="2467242952"/>
+        <p14:creationId xmlns:p14="http://schemas.microsoft.com/office/powerpoint/2010/main" val="2467242952"/>
       </p:ext>
     </p:extLst>
   </p:cSld>
@@ -4928,7 +4976,7 @@
     </p:spTree>
     <p:extLst>
       <p:ext uri="{BB962C8B-B14F-4D97-AF65-F5344CB8AC3E}">
-        <p14:creationId xmlns="" xmlns:p14="http://schemas.microsoft.com/office/powerpoint/2010/main" val="3843833122"/>
+        <p14:creationId xmlns:p14="http://schemas.microsoft.com/office/powerpoint/2010/main" val="3843833122"/>
       </p:ext>
     </p:extLst>
   </p:cSld>
@@ -5007,7 +5055,7 @@
           <a:blip r:embed="rId2">
             <a:extLst>
               <a:ext uri="{28A0092B-C50C-407E-A947-70E740481C1C}">
-                <a14:useLocalDpi xmlns="" xmlns:a14="http://schemas.microsoft.com/office/drawing/2010/main" val="0"/>
+                <a14:useLocalDpi xmlns:a14="http://schemas.microsoft.com/office/drawing/2010/main" val="0"/>
               </a:ext>
             </a:extLst>
           </a:blip>
@@ -5025,7 +5073,7 @@
     </p:spTree>
     <p:extLst>
       <p:ext uri="{BB962C8B-B14F-4D97-AF65-F5344CB8AC3E}">
-        <p14:creationId xmlns="" xmlns:p14="http://schemas.microsoft.com/office/powerpoint/2010/main" val="3446897457"/>
+        <p14:creationId xmlns:p14="http://schemas.microsoft.com/office/powerpoint/2010/main" val="3446897457"/>
       </p:ext>
     </p:extLst>
   </p:cSld>
@@ -5226,7 +5274,7 @@
     </p:spTree>
     <p:extLst>
       <p:ext uri="{BB962C8B-B14F-4D97-AF65-F5344CB8AC3E}">
-        <p14:creationId xmlns="" xmlns:p14="http://schemas.microsoft.com/office/powerpoint/2010/main" val="537979239"/>
+        <p14:creationId xmlns:p14="http://schemas.microsoft.com/office/powerpoint/2010/main" val="537979239"/>
       </p:ext>
     </p:extLst>
   </p:cSld>
@@ -5505,7 +5553,7 @@
     </p:spTree>
     <p:extLst>
       <p:ext uri="{BB962C8B-B14F-4D97-AF65-F5344CB8AC3E}">
-        <p14:creationId xmlns="" xmlns:p14="http://schemas.microsoft.com/office/powerpoint/2010/main" val="2472006642"/>
+        <p14:creationId xmlns:p14="http://schemas.microsoft.com/office/powerpoint/2010/main" val="2472006642"/>
       </p:ext>
     </p:extLst>
   </p:cSld>
@@ -5683,7 +5731,7 @@
     </p:spTree>
     <p:extLst>
       <p:ext uri="{BB962C8B-B14F-4D97-AF65-F5344CB8AC3E}">
-        <p14:creationId xmlns="" xmlns:p14="http://schemas.microsoft.com/office/powerpoint/2010/main" val="1694171582"/>
+        <p14:creationId xmlns:p14="http://schemas.microsoft.com/office/powerpoint/2010/main" val="1694171582"/>
       </p:ext>
     </p:extLst>
   </p:cSld>
@@ -5754,7 +5802,7 @@
           <a:blip r:embed="rId2">
             <a:extLst>
               <a:ext uri="{28A0092B-C50C-407E-A947-70E740481C1C}">
-                <a14:useLocalDpi xmlns="" xmlns:a14="http://schemas.microsoft.com/office/drawing/2010/main" val="0"/>
+                <a14:useLocalDpi xmlns:a14="http://schemas.microsoft.com/office/drawing/2010/main" val="0"/>
               </a:ext>
             </a:extLst>
           </a:blip>
@@ -5778,7 +5826,7 @@
         <p:spPr>
           <a:xfrm>
             <a:off x="179512" y="1556792"/>
-            <a:ext cx="4392488" cy="3693319"/>
+            <a:ext cx="4392488" cy="4247317"/>
           </a:xfrm>
           <a:prstGeom prst="rect">
             <a:avLst/>
@@ -5957,11 +6005,7 @@
             </a:r>
             <a:r>
               <a:rPr lang="zh-CN" altLang="en-US" dirty="0" smtClean="0"/>
-              <a:t>大多数时间并发</a:t>
-            </a:r>
-            <a:r>
-              <a:rPr lang="zh-CN" altLang="en-US" dirty="0" smtClean="0"/>
-              <a:t>，低暂停回收器</a:t>
+              <a:t>大多数时间并发，低暂停回收器</a:t>
             </a:r>
             <a:endParaRPr lang="en-US" altLang="zh-CN" dirty="0" smtClean="0"/>
           </a:p>
@@ -6002,9 +6046,16 @@
               <a:t>“G1” Garbage First </a:t>
             </a:r>
             <a:r>
-              <a:rPr lang="zh-CN" altLang="en-US" dirty="0" smtClean="0"/>
-              <a:t>：并行并发</a:t>
-            </a:r>
+              <a:rPr lang="zh-CN" altLang="en-US" dirty="0"/>
+              <a:t>：并发、并行、压缩、增量式、区域化垃圾回收器</a:t>
+            </a:r>
+            <a:endParaRPr lang="en-US" altLang="zh-CN" dirty="0"/>
+          </a:p>
+          <a:p>
+            <a:pPr marL="285750" indent="-285750">
+              <a:buFont typeface="Arial" panose="020B0604020202020204" pitchFamily="34" charset="0"/>
+              <a:buChar char="•"/>
+            </a:pPr>
             <a:endParaRPr lang="zh-CN" altLang="en-US" dirty="0"/>
           </a:p>
         </p:txBody>
@@ -6012,7 +6063,7 @@
     </p:spTree>
     <p:extLst>
       <p:ext uri="{BB962C8B-B14F-4D97-AF65-F5344CB8AC3E}">
-        <p14:creationId xmlns="" xmlns:p14="http://schemas.microsoft.com/office/powerpoint/2010/main" val="70576225"/>
+        <p14:creationId xmlns:p14="http://schemas.microsoft.com/office/powerpoint/2010/main" val="70576225"/>
       </p:ext>
     </p:extLst>
   </p:cSld>
@@ -6372,7 +6423,7 @@
     </p:spTree>
     <p:extLst>
       <p:ext uri="{BB962C8B-B14F-4D97-AF65-F5344CB8AC3E}">
-        <p14:creationId xmlns="" xmlns:p14="http://schemas.microsoft.com/office/powerpoint/2010/main" val="3008040752"/>
+        <p14:creationId xmlns:p14="http://schemas.microsoft.com/office/powerpoint/2010/main" val="3008040752"/>
       </p:ext>
     </p:extLst>
   </p:cSld>
@@ -6442,7 +6493,7 @@
         <p:spPr/>
         <p:txBody>
           <a:bodyPr>
-            <a:normAutofit fontScale="70000" lnSpcReduction="20000"/>
+            <a:normAutofit fontScale="85000" lnSpcReduction="10000"/>
           </a:bodyPr>
           <a:lstStyle/>
           <a:p>
@@ -6465,58 +6516,30 @@
             </a:r>
             <a:r>
               <a:rPr lang="zh-CN" altLang="en-US" dirty="0"/>
-              <a:t>收集器一样，能与应用程序线程并发执行。</a:t>
-            </a:r>
+              <a:t>收集器一样，能与应用程序线程并发执行</a:t>
+            </a:r>
+            <a:r>
+              <a:rPr lang="zh-CN" altLang="en-US" dirty="0" smtClean="0"/>
+              <a:t>。</a:t>
+            </a:r>
+            <a:endParaRPr lang="zh-CN" altLang="en-US" dirty="0"/>
           </a:p>
           <a:p>
             <a:pPr latinLnBrk="1"/>
             <a:r>
               <a:rPr lang="zh-CN" altLang="en-US" dirty="0"/>
-              <a:t>整理空闲空间更快。</a:t>
-            </a:r>
+              <a:t>不希望牺牲大量的吞吐性能</a:t>
+            </a:r>
+            <a:r>
+              <a:rPr lang="zh-CN" altLang="en-US" dirty="0" smtClean="0"/>
+              <a:t>。</a:t>
+            </a:r>
+            <a:endParaRPr lang="en-US" altLang="zh-CN" dirty="0" smtClean="0"/>
           </a:p>
           <a:p>
             <a:pPr latinLnBrk="1"/>
             <a:r>
-              <a:rPr lang="zh-CN" altLang="en-US" dirty="0"/>
-              <a:t>需要</a:t>
-            </a:r>
-            <a:r>
-              <a:rPr lang="en-US" altLang="zh-CN" dirty="0"/>
-              <a:t>GC</a:t>
-            </a:r>
-            <a:r>
-              <a:rPr lang="zh-CN" altLang="en-US" dirty="0"/>
-              <a:t>停顿时间更好预测。</a:t>
-            </a:r>
-          </a:p>
-          <a:p>
-            <a:pPr latinLnBrk="1"/>
-            <a:r>
-              <a:rPr lang="zh-CN" altLang="en-US" dirty="0"/>
-              <a:t>不希望牺牲大量的吞吐性能。</a:t>
-            </a:r>
-          </a:p>
-          <a:p>
-            <a:pPr latinLnBrk="1"/>
-            <a:r>
-              <a:rPr lang="zh-CN" altLang="en-US" dirty="0"/>
-              <a:t>不需要更大的</a:t>
-            </a:r>
-            <a:r>
-              <a:rPr lang="en-US" altLang="zh-CN" dirty="0"/>
-              <a:t>Java Heap</a:t>
-            </a:r>
-            <a:r>
-              <a:rPr lang="zh-CN" altLang="en-US" dirty="0" smtClean="0"/>
-              <a:t>。</a:t>
-            </a:r>
-            <a:endParaRPr lang="en-US" altLang="zh-CN" dirty="0" smtClean="0"/>
-          </a:p>
-          <a:p>
-            <a:pPr latinLnBrk="1"/>
-            <a:r>
-              <a:rPr lang="en-US" altLang="zh-CN" dirty="0"/>
+              <a:rPr lang="en-US" altLang="zh-CN" dirty="0" smtClean="0"/>
               <a:t>G1</a:t>
             </a:r>
             <a:r>
@@ -6586,7 +6609,7 @@
     </p:spTree>
     <p:extLst>
       <p:ext uri="{BB962C8B-B14F-4D97-AF65-F5344CB8AC3E}">
-        <p14:creationId xmlns="" xmlns:p14="http://schemas.microsoft.com/office/powerpoint/2010/main" val="2745011293"/>
+        <p14:creationId xmlns:p14="http://schemas.microsoft.com/office/powerpoint/2010/main" val="2745011293"/>
       </p:ext>
     </p:extLst>
   </p:cSld>
@@ -6832,7 +6855,7 @@
     </p:spTree>
     <p:extLst>
       <p:ext uri="{BB962C8B-B14F-4D97-AF65-F5344CB8AC3E}">
-        <p14:creationId xmlns="" xmlns:p14="http://schemas.microsoft.com/office/powerpoint/2010/main" val="3314309066"/>
+        <p14:creationId xmlns:p14="http://schemas.microsoft.com/office/powerpoint/2010/main" val="3314309066"/>
       </p:ext>
     </p:extLst>
   </p:cSld>
@@ -6903,7 +6926,7 @@
           <a:blip r:embed="rId2">
             <a:extLst>
               <a:ext uri="{28A0092B-C50C-407E-A947-70E740481C1C}">
-                <a14:useLocalDpi xmlns="" xmlns:a14="http://schemas.microsoft.com/office/drawing/2010/main" val="0"/>
+                <a14:useLocalDpi xmlns:a14="http://schemas.microsoft.com/office/drawing/2010/main" val="0"/>
               </a:ext>
             </a:extLst>
           </a:blip>
@@ -6988,7 +7011,7 @@
     </p:spTree>
     <p:extLst>
       <p:ext uri="{BB962C8B-B14F-4D97-AF65-F5344CB8AC3E}">
-        <p14:creationId xmlns="" xmlns:p14="http://schemas.microsoft.com/office/powerpoint/2010/main" val="1207624477"/>
+        <p14:creationId xmlns:p14="http://schemas.microsoft.com/office/powerpoint/2010/main" val="1207624477"/>
       </p:ext>
     </p:extLst>
   </p:cSld>
@@ -7193,7 +7216,7 @@
     </p:spTree>
     <p:extLst>
       <p:ext uri="{BB962C8B-B14F-4D97-AF65-F5344CB8AC3E}">
-        <p14:creationId xmlns="" xmlns:p14="http://schemas.microsoft.com/office/powerpoint/2010/main" val="2871799625"/>
+        <p14:creationId xmlns:p14="http://schemas.microsoft.com/office/powerpoint/2010/main" val="2871799625"/>
       </p:ext>
     </p:extLst>
   </p:cSld>
@@ -7368,11 +7391,7 @@
             </a:r>
             <a:r>
               <a:rPr lang="zh-CN" altLang="en-US" dirty="0" smtClean="0"/>
-              <a:t>来做</a:t>
-            </a:r>
-            <a:r>
-              <a:rPr lang="zh-CN" altLang="en-US" dirty="0" smtClean="0"/>
-              <a:t>校验</a:t>
+              <a:t>来做校验</a:t>
             </a:r>
             <a:endParaRPr lang="en-US" altLang="zh-CN" dirty="0" smtClean="0"/>
           </a:p>
@@ -7433,7 +7452,7 @@
     </p:spTree>
     <p:extLst>
       <p:ext uri="{BB962C8B-B14F-4D97-AF65-F5344CB8AC3E}">
-        <p14:creationId xmlns="" xmlns:p14="http://schemas.microsoft.com/office/powerpoint/2010/main" val="3957020312"/>
+        <p14:creationId xmlns:p14="http://schemas.microsoft.com/office/powerpoint/2010/main" val="3957020312"/>
       </p:ext>
     </p:extLst>
   </p:cSld>
@@ -7550,12 +7569,15 @@
           <a:p>
             <a:endParaRPr lang="en-US" altLang="zh-CN" dirty="0" smtClean="0"/>
           </a:p>
+          <a:p>
+            <a:endParaRPr lang="en-US" altLang="zh-CN" dirty="0" smtClean="0"/>
+          </a:p>
         </p:txBody>
       </p:sp>
     </p:spTree>
     <p:extLst>
       <p:ext uri="{BB962C8B-B14F-4D97-AF65-F5344CB8AC3E}">
-        <p14:creationId xmlns="" xmlns:p14="http://schemas.microsoft.com/office/powerpoint/2010/main" val="3517680296"/>
+        <p14:creationId xmlns:p14="http://schemas.microsoft.com/office/powerpoint/2010/main" val="3517680296"/>
       </p:ext>
     </p:extLst>
   </p:cSld>
@@ -7601,7 +7623,7 @@
           <a:blip r:embed="rId2">
             <a:extLst>
               <a:ext uri="{28A0092B-C50C-407E-A947-70E740481C1C}">
-                <a14:useLocalDpi xmlns="" xmlns:a14="http://schemas.microsoft.com/office/drawing/2010/main" val="0"/>
+                <a14:useLocalDpi xmlns:a14="http://schemas.microsoft.com/office/drawing/2010/main" val="0"/>
               </a:ext>
             </a:extLst>
           </a:blip>
@@ -7621,7 +7643,7 @@
           <a:noFill/>
           <a:extLst>
             <a:ext uri="{909E8E84-426E-40DD-AFC4-6F175D3DCCD1}">
-              <a14:hiddenFill xmlns="" xmlns:a14="http://schemas.microsoft.com/office/drawing/2010/main">
+              <a14:hiddenFill xmlns:a14="http://schemas.microsoft.com/office/drawing/2010/main">
                 <a:solidFill>
                   <a:srgbClr val="FFFFFF"/>
                 </a:solidFill>
@@ -7785,7 +7807,7 @@
     </p:spTree>
     <p:extLst>
       <p:ext uri="{BB962C8B-B14F-4D97-AF65-F5344CB8AC3E}">
-        <p14:creationId xmlns="" xmlns:p14="http://schemas.microsoft.com/office/powerpoint/2010/main" val="284563861"/>
+        <p14:creationId xmlns:p14="http://schemas.microsoft.com/office/powerpoint/2010/main" val="284563861"/>
       </p:ext>
     </p:extLst>
   </p:cSld>
@@ -7858,7 +7880,9 @@
         </p:nvSpPr>
         <p:spPr/>
         <p:txBody>
-          <a:bodyPr/>
+          <a:bodyPr>
+            <a:normAutofit fontScale="92500" lnSpcReduction="10000"/>
+          </a:bodyPr>
           <a:lstStyle/>
           <a:p>
             <a:r>
@@ -7915,6 +7939,17 @@
             <a:endParaRPr lang="en-US" altLang="zh-CN" dirty="0" smtClean="0"/>
           </a:p>
           <a:p>
+            <a:pPr lvl="1"/>
+            <a:r>
+              <a:rPr lang="zh-CN" altLang="en-US" dirty="0" smtClean="0"/>
+              <a:t>延期到了</a:t>
+            </a:r>
+            <a:r>
+              <a:rPr lang="en-US" altLang="zh-CN" dirty="0" smtClean="0"/>
+              <a:t>JDK10</a:t>
+            </a:r>
+          </a:p>
+          <a:p>
             <a:r>
               <a:rPr lang="en-US" altLang="zh-CN" dirty="0" smtClean="0"/>
               <a:t>Java </a:t>
@@ -7924,6 +7959,17 @@
               <a:t>级别编译器接口</a:t>
             </a:r>
             <a:endParaRPr lang="en-US" altLang="zh-CN" dirty="0" smtClean="0"/>
+          </a:p>
+          <a:p>
+            <a:pPr lvl="1"/>
+            <a:r>
+              <a:rPr lang="zh-CN" altLang="en-US" dirty="0" smtClean="0"/>
+              <a:t>可以方便的切换和调试</a:t>
+            </a:r>
+            <a:r>
+              <a:rPr lang="en-US" altLang="zh-CN" dirty="0" smtClean="0"/>
+              <a:t>JIT compiler</a:t>
+            </a:r>
           </a:p>
           <a:p>
             <a:r>
@@ -7954,7 +8000,7 @@
     </p:spTree>
     <p:extLst>
       <p:ext uri="{BB962C8B-B14F-4D97-AF65-F5344CB8AC3E}">
-        <p14:creationId xmlns="" xmlns:p14="http://schemas.microsoft.com/office/powerpoint/2010/main" val="407700001"/>
+        <p14:creationId xmlns:p14="http://schemas.microsoft.com/office/powerpoint/2010/main" val="407700001"/>
       </p:ext>
     </p:extLst>
   </p:cSld>
@@ -8035,7 +8081,7 @@
     </p:spTree>
     <p:extLst>
       <p:ext uri="{BB962C8B-B14F-4D97-AF65-F5344CB8AC3E}">
-        <p14:creationId xmlns="" xmlns:p14="http://schemas.microsoft.com/office/powerpoint/2010/main" val="3573038741"/>
+        <p14:creationId xmlns:p14="http://schemas.microsoft.com/office/powerpoint/2010/main" val="3573038741"/>
       </p:ext>
     </p:extLst>
   </p:cSld>
@@ -8229,7 +8275,7 @@
     </p:spTree>
     <p:extLst>
       <p:ext uri="{BB962C8B-B14F-4D97-AF65-F5344CB8AC3E}">
-        <p14:creationId xmlns="" xmlns:p14="http://schemas.microsoft.com/office/powerpoint/2010/main" val="1976376772"/>
+        <p14:creationId xmlns:p14="http://schemas.microsoft.com/office/powerpoint/2010/main" val="1976376772"/>
       </p:ext>
     </p:extLst>
   </p:cSld>
@@ -8412,7 +8458,6 @@
               <a:rPr lang="en-US" altLang="zh-CN" dirty="0" smtClean="0"/>
               <a:t> </a:t>
             </a:r>
-            <a:endParaRPr lang="en-US" altLang="zh-CN" dirty="0" smtClean="0"/>
           </a:p>
           <a:p>
             <a:r>
@@ -8423,7 +8468,6 @@
               <a:rPr lang="en-US" altLang="zh-CN" dirty="0" smtClean="0"/>
               <a:t>2004-10. End of Life : 2009-10</a:t>
             </a:r>
-            <a:endParaRPr lang="en-US" altLang="zh-CN" dirty="0" smtClean="0"/>
           </a:p>
           <a:p>
             <a:endParaRPr lang="en-US" altLang="zh-CN" dirty="0" smtClean="0"/>
@@ -8436,7 +8480,7 @@
     </p:spTree>
     <p:extLst>
       <p:ext uri="{BB962C8B-B14F-4D97-AF65-F5344CB8AC3E}">
-        <p14:creationId xmlns="" xmlns:p14="http://schemas.microsoft.com/office/powerpoint/2010/main" val="2102335913"/>
+        <p14:creationId xmlns:p14="http://schemas.microsoft.com/office/powerpoint/2010/main" val="2102335913"/>
       </p:ext>
     </p:extLst>
   </p:cSld>
@@ -8541,7 +8585,7 @@
     </p:spTree>
     <p:extLst>
       <p:ext uri="{BB962C8B-B14F-4D97-AF65-F5344CB8AC3E}">
-        <p14:creationId xmlns="" xmlns:p14="http://schemas.microsoft.com/office/powerpoint/2010/main" val="1761063345"/>
+        <p14:creationId xmlns:p14="http://schemas.microsoft.com/office/powerpoint/2010/main" val="1761063345"/>
       </p:ext>
     </p:extLst>
   </p:cSld>
@@ -8624,7 +8668,7 @@
     </p:spTree>
     <p:extLst>
       <p:ext uri="{BB962C8B-B14F-4D97-AF65-F5344CB8AC3E}">
-        <p14:creationId xmlns="" xmlns:p14="http://schemas.microsoft.com/office/powerpoint/2010/main" val="2285135196"/>
+        <p14:creationId xmlns:p14="http://schemas.microsoft.com/office/powerpoint/2010/main" val="2285135196"/>
       </p:ext>
     </p:extLst>
   </p:cSld>
@@ -8767,7 +8811,6 @@
               <a:rPr lang="en-US" altLang="zh-CN" dirty="0" smtClean="0"/>
               <a:t>:2006-04 EOL:2014-04 </a:t>
             </a:r>
-            <a:endParaRPr lang="en-US" altLang="zh-CN" dirty="0" smtClean="0"/>
           </a:p>
           <a:p>
             <a:endParaRPr lang="zh-CN" altLang="en-US" dirty="0"/>
@@ -8777,7 +8820,7 @@
     </p:spTree>
     <p:extLst>
       <p:ext uri="{BB962C8B-B14F-4D97-AF65-F5344CB8AC3E}">
-        <p14:creationId xmlns="" xmlns:p14="http://schemas.microsoft.com/office/powerpoint/2010/main" val="1778868577"/>
+        <p14:creationId xmlns:p14="http://schemas.microsoft.com/office/powerpoint/2010/main" val="1778868577"/>
       </p:ext>
     </p:extLst>
   </p:cSld>
@@ -8950,7 +8993,7 @@
     </p:spTree>
     <p:extLst>
       <p:ext uri="{BB962C8B-B14F-4D97-AF65-F5344CB8AC3E}">
-        <p14:creationId xmlns="" xmlns:p14="http://schemas.microsoft.com/office/powerpoint/2010/main" val="1783215269"/>
+        <p14:creationId xmlns:p14="http://schemas.microsoft.com/office/powerpoint/2010/main" val="1783215269"/>
       </p:ext>
     </p:extLst>
   </p:cSld>
